--- a/docs/source/diagrams.pptx
+++ b/docs/source/diagrams.pptx
@@ -5,8 +5,8 @@
     <p:sldMasterId id="2147483648" r:id="rId1"/>
   </p:sldMasterIdLst>
   <p:sldIdLst>
-    <p:sldId id="256" r:id="rId2"/>
-    <p:sldId id="257" r:id="rId3"/>
+    <p:sldId id="257" r:id="rId2"/>
+    <p:sldId id="258" r:id="rId3"/>
   </p:sldIdLst>
   <p:sldSz cx="12192000" cy="6858000"/>
   <p:notesSz cx="6858000" cy="9144000"/>
@@ -105,6 +105,11 @@
       </a:defRPr>
     </a:lvl9pPr>
   </p:defaultTextStyle>
+  <p:extLst>
+    <p:ext uri="{EFAFB233-063F-42B5-8137-9DF3F51BA10A}">
+      <p15:sldGuideLst xmlns:p15="http://schemas.microsoft.com/office/powerpoint/2012/main"/>
+    </p:ext>
+  </p:extLst>
 </p:presentation>
 </file>
 
@@ -255,7 +260,7 @@
           <a:p>
             <a:fld id="{38251B50-3819-754A-9763-C19E22C77A1F}" type="datetimeFigureOut">
               <a:rPr lang="en-US" smtClean="0"/>
-              <a:t>5/15/24</a:t>
+              <a:t>10/1/24</a:t>
             </a:fld>
             <a:endParaRPr lang="en-US"/>
           </a:p>
@@ -453,7 +458,7 @@
           <a:p>
             <a:fld id="{38251B50-3819-754A-9763-C19E22C77A1F}" type="datetimeFigureOut">
               <a:rPr lang="en-US" smtClean="0"/>
-              <a:t>5/15/24</a:t>
+              <a:t>10/1/24</a:t>
             </a:fld>
             <a:endParaRPr lang="en-US"/>
           </a:p>
@@ -661,7 +666,7 @@
           <a:p>
             <a:fld id="{38251B50-3819-754A-9763-C19E22C77A1F}" type="datetimeFigureOut">
               <a:rPr lang="en-US" smtClean="0"/>
-              <a:t>5/15/24</a:t>
+              <a:t>10/1/24</a:t>
             </a:fld>
             <a:endParaRPr lang="en-US"/>
           </a:p>
@@ -859,7 +864,7 @@
           <a:p>
             <a:fld id="{38251B50-3819-754A-9763-C19E22C77A1F}" type="datetimeFigureOut">
               <a:rPr lang="en-US" smtClean="0"/>
-              <a:t>5/15/24</a:t>
+              <a:t>10/1/24</a:t>
             </a:fld>
             <a:endParaRPr lang="en-US"/>
           </a:p>
@@ -1134,7 +1139,7 @@
           <a:p>
             <a:fld id="{38251B50-3819-754A-9763-C19E22C77A1F}" type="datetimeFigureOut">
               <a:rPr lang="en-US" smtClean="0"/>
-              <a:t>5/15/24</a:t>
+              <a:t>10/1/24</a:t>
             </a:fld>
             <a:endParaRPr lang="en-US"/>
           </a:p>
@@ -1399,7 +1404,7 @@
           <a:p>
             <a:fld id="{38251B50-3819-754A-9763-C19E22C77A1F}" type="datetimeFigureOut">
               <a:rPr lang="en-US" smtClean="0"/>
-              <a:t>5/15/24</a:t>
+              <a:t>10/1/24</a:t>
             </a:fld>
             <a:endParaRPr lang="en-US"/>
           </a:p>
@@ -1811,7 +1816,7 @@
           <a:p>
             <a:fld id="{38251B50-3819-754A-9763-C19E22C77A1F}" type="datetimeFigureOut">
               <a:rPr lang="en-US" smtClean="0"/>
-              <a:t>5/15/24</a:t>
+              <a:t>10/1/24</a:t>
             </a:fld>
             <a:endParaRPr lang="en-US"/>
           </a:p>
@@ -1952,7 +1957,7 @@
           <a:p>
             <a:fld id="{38251B50-3819-754A-9763-C19E22C77A1F}" type="datetimeFigureOut">
               <a:rPr lang="en-US" smtClean="0"/>
-              <a:t>5/15/24</a:t>
+              <a:t>10/1/24</a:t>
             </a:fld>
             <a:endParaRPr lang="en-US"/>
           </a:p>
@@ -2065,7 +2070,7 @@
           <a:p>
             <a:fld id="{38251B50-3819-754A-9763-C19E22C77A1F}" type="datetimeFigureOut">
               <a:rPr lang="en-US" smtClean="0"/>
-              <a:t>5/15/24</a:t>
+              <a:t>10/1/24</a:t>
             </a:fld>
             <a:endParaRPr lang="en-US"/>
           </a:p>
@@ -2376,7 +2381,7 @@
           <a:p>
             <a:fld id="{38251B50-3819-754A-9763-C19E22C77A1F}" type="datetimeFigureOut">
               <a:rPr lang="en-US" smtClean="0"/>
-              <a:t>5/15/24</a:t>
+              <a:t>10/1/24</a:t>
             </a:fld>
             <a:endParaRPr lang="en-US"/>
           </a:p>
@@ -2664,7 +2669,7 @@
           <a:p>
             <a:fld id="{38251B50-3819-754A-9763-C19E22C77A1F}" type="datetimeFigureOut">
               <a:rPr lang="en-US" smtClean="0"/>
-              <a:t>5/15/24</a:t>
+              <a:t>10/1/24</a:t>
             </a:fld>
             <a:endParaRPr lang="en-US"/>
           </a:p>
@@ -2905,7 +2910,7 @@
           <a:p>
             <a:fld id="{38251B50-3819-754A-9763-C19E22C77A1F}" type="datetimeFigureOut">
               <a:rPr lang="en-US" smtClean="0"/>
-              <a:t>5/15/24</a:t>
+              <a:t>10/1/24</a:t>
             </a:fld>
             <a:endParaRPr lang="en-US"/>
           </a:p>
@@ -3322,86 +3327,6 @@
           <a:chExt cx="0" cy="0"/>
         </a:xfrm>
       </p:grpSpPr>
-      <p:sp>
-        <p:nvSpPr>
-          <p:cNvPr id="2" name="Title 1">
-            <a:extLst>
-              <a:ext uri="{FF2B5EF4-FFF2-40B4-BE49-F238E27FC236}">
-                <a16:creationId xmlns:a16="http://schemas.microsoft.com/office/drawing/2014/main" id="{5391388A-C4E6-F988-77B8-681672D4C236}"/>
-              </a:ext>
-            </a:extLst>
-          </p:cNvPr>
-          <p:cNvSpPr>
-            <a:spLocks noGrp="1"/>
-          </p:cNvSpPr>
-          <p:nvPr>
-            <p:ph type="ctrTitle"/>
-          </p:nvPr>
-        </p:nvSpPr>
-        <p:spPr/>
-        <p:txBody>
-          <a:bodyPr/>
-          <a:lstStyle/>
-          <a:p>
-            <a:endParaRPr lang="en-US"/>
-          </a:p>
-        </p:txBody>
-      </p:sp>
-      <p:sp>
-        <p:nvSpPr>
-          <p:cNvPr id="3" name="Subtitle 2">
-            <a:extLst>
-              <a:ext uri="{FF2B5EF4-FFF2-40B4-BE49-F238E27FC236}">
-                <a16:creationId xmlns:a16="http://schemas.microsoft.com/office/drawing/2014/main" id="{D8479E8D-646C-B22F-58E0-77C338E52316}"/>
-              </a:ext>
-            </a:extLst>
-          </p:cNvPr>
-          <p:cNvSpPr>
-            <a:spLocks noGrp="1"/>
-          </p:cNvSpPr>
-          <p:nvPr>
-            <p:ph type="subTitle" idx="1"/>
-          </p:nvPr>
-        </p:nvSpPr>
-        <p:spPr/>
-        <p:txBody>
-          <a:bodyPr/>
-          <a:lstStyle/>
-          <a:p>
-            <a:endParaRPr lang="en-US"/>
-          </a:p>
-        </p:txBody>
-      </p:sp>
-    </p:spTree>
-    <p:extLst>
-      <p:ext uri="{BB962C8B-B14F-4D97-AF65-F5344CB8AC3E}">
-        <p14:creationId xmlns:p14="http://schemas.microsoft.com/office/powerpoint/2010/main" val="203236323"/>
-      </p:ext>
-    </p:extLst>
-  </p:cSld>
-  <p:clrMapOvr>
-    <a:masterClrMapping/>
-  </p:clrMapOvr>
-</p:sld>
-</file>
-
-<file path=ppt/slides/slide2.xml><?xml version="1.0" encoding="utf-8"?>
-<p:sld xmlns:a="http://schemas.openxmlformats.org/drawingml/2006/main" xmlns:r="http://schemas.openxmlformats.org/officeDocument/2006/relationships" xmlns:p="http://schemas.openxmlformats.org/presentationml/2006/main">
-  <p:cSld>
-    <p:spTree>
-      <p:nvGrpSpPr>
-        <p:cNvPr id="1" name=""/>
-        <p:cNvGrpSpPr/>
-        <p:nvPr/>
-      </p:nvGrpSpPr>
-      <p:grpSpPr>
-        <a:xfrm>
-          <a:off x="0" y="0"/>
-          <a:ext cx="0" cy="0"/>
-          <a:chOff x="0" y="0"/>
-          <a:chExt cx="0" cy="0"/>
-        </a:xfrm>
-      </p:grpSpPr>
       <p:pic>
         <p:nvPicPr>
           <p:cNvPr id="7" name="Picture 6" descr="A screenshot of a computer&#10;&#10;Description automatically generated">
@@ -3970,6 +3895,384 @@
     <p:extLst>
       <p:ext uri="{BB962C8B-B14F-4D97-AF65-F5344CB8AC3E}">
         <p14:creationId xmlns:p14="http://schemas.microsoft.com/office/powerpoint/2010/main" val="2127792225"/>
+      </p:ext>
+    </p:extLst>
+  </p:cSld>
+  <p:clrMapOvr>
+    <a:masterClrMapping/>
+  </p:clrMapOvr>
+</p:sld>
+</file>
+
+<file path=ppt/slides/slide2.xml><?xml version="1.0" encoding="utf-8"?>
+<p:sld xmlns:a="http://schemas.openxmlformats.org/drawingml/2006/main" xmlns:r="http://schemas.openxmlformats.org/officeDocument/2006/relationships" xmlns:p="http://schemas.openxmlformats.org/presentationml/2006/main">
+  <p:cSld>
+    <p:spTree>
+      <p:nvGrpSpPr>
+        <p:cNvPr id="1" name=""/>
+        <p:cNvGrpSpPr/>
+        <p:nvPr/>
+      </p:nvGrpSpPr>
+      <p:grpSpPr>
+        <a:xfrm>
+          <a:off x="0" y="0"/>
+          <a:ext cx="0" cy="0"/>
+          <a:chOff x="0" y="0"/>
+          <a:chExt cx="0" cy="0"/>
+        </a:xfrm>
+      </p:grpSpPr>
+      <p:pic>
+        <p:nvPicPr>
+          <p:cNvPr id="9" name="Picture 8" descr="A screenshot of a computer&#10;&#10;Description automatically generated">
+            <a:extLst>
+              <a:ext uri="{FF2B5EF4-FFF2-40B4-BE49-F238E27FC236}">
+                <a16:creationId xmlns:a16="http://schemas.microsoft.com/office/drawing/2014/main" id="{356838D8-CE48-0069-58E0-6C41CE4A8D26}"/>
+              </a:ext>
+            </a:extLst>
+          </p:cNvPr>
+          <p:cNvPicPr>
+            <a:picLocks noChangeAspect="1"/>
+          </p:cNvPicPr>
+          <p:nvPr/>
+        </p:nvPicPr>
+        <p:blipFill>
+          <a:blip r:embed="rId2"/>
+          <a:stretch>
+            <a:fillRect/>
+          </a:stretch>
+        </p:blipFill>
+        <p:spPr>
+          <a:xfrm>
+            <a:off x="2209800" y="902677"/>
+            <a:ext cx="7772400" cy="4801578"/>
+          </a:xfrm>
+          <a:prstGeom prst="rect">
+            <a:avLst/>
+          </a:prstGeom>
+        </p:spPr>
+      </p:pic>
+      <p:sp>
+        <p:nvSpPr>
+          <p:cNvPr id="10" name="Oval 9">
+            <a:extLst>
+              <a:ext uri="{FF2B5EF4-FFF2-40B4-BE49-F238E27FC236}">
+                <a16:creationId xmlns:a16="http://schemas.microsoft.com/office/drawing/2014/main" id="{8A4D894E-5EB4-9A2A-0011-DABAA4385A67}"/>
+              </a:ext>
+            </a:extLst>
+          </p:cNvPr>
+          <p:cNvSpPr/>
+          <p:nvPr/>
+        </p:nvSpPr>
+        <p:spPr>
+          <a:xfrm>
+            <a:off x="763147" y="2097397"/>
+            <a:ext cx="480862" cy="480862"/>
+          </a:xfrm>
+          <a:prstGeom prst="ellipse">
+            <a:avLst/>
+          </a:prstGeom>
+          <a:solidFill>
+            <a:schemeClr val="bg1"/>
+          </a:solidFill>
+          <a:effectLst>
+            <a:outerShdw blurRad="50800" dist="38100" dir="2700000" algn="tl" rotWithShape="0">
+              <a:prstClr val="black">
+                <a:alpha val="40000"/>
+              </a:prstClr>
+            </a:outerShdw>
+          </a:effectLst>
+        </p:spPr>
+        <p:style>
+          <a:lnRef idx="2">
+            <a:schemeClr val="accent1">
+              <a:shade val="15000"/>
+            </a:schemeClr>
+          </a:lnRef>
+          <a:fillRef idx="1">
+            <a:schemeClr val="accent1"/>
+          </a:fillRef>
+          <a:effectRef idx="0">
+            <a:schemeClr val="accent1"/>
+          </a:effectRef>
+          <a:fontRef idx="minor">
+            <a:schemeClr val="lt1"/>
+          </a:fontRef>
+        </p:style>
+        <p:txBody>
+          <a:bodyPr rtlCol="0" anchor="ctr"/>
+          <a:lstStyle/>
+          <a:p>
+            <a:pPr algn="ctr"/>
+            <a:r>
+              <a:rPr lang="en-US" dirty="0">
+                <a:solidFill>
+                  <a:schemeClr val="tx1"/>
+                </a:solidFill>
+                <a:latin typeface="Helvetica" pitchFamily="2" charset="0"/>
+              </a:rPr>
+              <a:t>1</a:t>
+            </a:r>
+          </a:p>
+        </p:txBody>
+      </p:sp>
+      <p:cxnSp>
+        <p:nvCxnSpPr>
+          <p:cNvPr id="11" name="Straight Arrow Connector 10">
+            <a:extLst>
+              <a:ext uri="{FF2B5EF4-FFF2-40B4-BE49-F238E27FC236}">
+                <a16:creationId xmlns:a16="http://schemas.microsoft.com/office/drawing/2014/main" id="{A9B8172B-858D-83A7-BDD1-66758335005B}"/>
+              </a:ext>
+            </a:extLst>
+          </p:cNvPr>
+          <p:cNvCxnSpPr>
+            <a:cxnSpLocks/>
+            <a:stCxn id="10" idx="6"/>
+          </p:cNvCxnSpPr>
+          <p:nvPr/>
+        </p:nvCxnSpPr>
+        <p:spPr>
+          <a:xfrm flipV="1">
+            <a:off x="1244009" y="2330451"/>
+            <a:ext cx="965791" cy="7377"/>
+          </a:xfrm>
+          <a:prstGeom prst="straightConnector1">
+            <a:avLst/>
+          </a:prstGeom>
+          <a:ln w="34925">
+            <a:tailEnd type="triangle" w="lg" len="lg"/>
+          </a:ln>
+        </p:spPr>
+        <p:style>
+          <a:lnRef idx="2">
+            <a:schemeClr val="accent1"/>
+          </a:lnRef>
+          <a:fillRef idx="0">
+            <a:schemeClr val="accent1"/>
+          </a:fillRef>
+          <a:effectRef idx="1">
+            <a:schemeClr val="accent1"/>
+          </a:effectRef>
+          <a:fontRef idx="minor">
+            <a:schemeClr val="tx1"/>
+          </a:fontRef>
+        </p:style>
+      </p:cxnSp>
+      <p:sp>
+        <p:nvSpPr>
+          <p:cNvPr id="18" name="Oval 17">
+            <a:extLst>
+              <a:ext uri="{FF2B5EF4-FFF2-40B4-BE49-F238E27FC236}">
+                <a16:creationId xmlns:a16="http://schemas.microsoft.com/office/drawing/2014/main" id="{46E26A96-32BB-FB63-F5F5-3335A6DEE8FD}"/>
+              </a:ext>
+            </a:extLst>
+          </p:cNvPr>
+          <p:cNvSpPr/>
+          <p:nvPr/>
+        </p:nvSpPr>
+        <p:spPr>
+          <a:xfrm>
+            <a:off x="763147" y="4418567"/>
+            <a:ext cx="480862" cy="480862"/>
+          </a:xfrm>
+          <a:prstGeom prst="ellipse">
+            <a:avLst/>
+          </a:prstGeom>
+          <a:solidFill>
+            <a:schemeClr val="bg1"/>
+          </a:solidFill>
+          <a:effectLst>
+            <a:outerShdw blurRad="50800" dist="38100" dir="2700000" algn="tl" rotWithShape="0">
+              <a:prstClr val="black">
+                <a:alpha val="40000"/>
+              </a:prstClr>
+            </a:outerShdw>
+          </a:effectLst>
+        </p:spPr>
+        <p:style>
+          <a:lnRef idx="2">
+            <a:schemeClr val="accent1">
+              <a:shade val="15000"/>
+            </a:schemeClr>
+          </a:lnRef>
+          <a:fillRef idx="1">
+            <a:schemeClr val="accent1"/>
+          </a:fillRef>
+          <a:effectRef idx="0">
+            <a:schemeClr val="accent1"/>
+          </a:effectRef>
+          <a:fontRef idx="minor">
+            <a:schemeClr val="lt1"/>
+          </a:fontRef>
+        </p:style>
+        <p:txBody>
+          <a:bodyPr rtlCol="0" anchor="ctr"/>
+          <a:lstStyle/>
+          <a:p>
+            <a:pPr algn="ctr"/>
+            <a:r>
+              <a:rPr lang="en-US" dirty="0">
+                <a:solidFill>
+                  <a:schemeClr val="tx1"/>
+                </a:solidFill>
+                <a:latin typeface="Helvetica" pitchFamily="2" charset="0"/>
+              </a:rPr>
+              <a:t>2</a:t>
+            </a:r>
+          </a:p>
+        </p:txBody>
+      </p:sp>
+      <p:cxnSp>
+        <p:nvCxnSpPr>
+          <p:cNvPr id="19" name="Straight Arrow Connector 18">
+            <a:extLst>
+              <a:ext uri="{FF2B5EF4-FFF2-40B4-BE49-F238E27FC236}">
+                <a16:creationId xmlns:a16="http://schemas.microsoft.com/office/drawing/2014/main" id="{E5652D40-48C4-641E-1B8F-32ED8DCD1251}"/>
+              </a:ext>
+            </a:extLst>
+          </p:cNvPr>
+          <p:cNvCxnSpPr>
+            <a:cxnSpLocks/>
+            <a:stCxn id="18" idx="6"/>
+          </p:cNvCxnSpPr>
+          <p:nvPr/>
+        </p:nvCxnSpPr>
+        <p:spPr>
+          <a:xfrm flipV="1">
+            <a:off x="1244009" y="4651621"/>
+            <a:ext cx="965791" cy="7377"/>
+          </a:xfrm>
+          <a:prstGeom prst="straightConnector1">
+            <a:avLst/>
+          </a:prstGeom>
+          <a:ln w="34925">
+            <a:tailEnd type="triangle" w="lg" len="lg"/>
+          </a:ln>
+        </p:spPr>
+        <p:style>
+          <a:lnRef idx="2">
+            <a:schemeClr val="accent1"/>
+          </a:lnRef>
+          <a:fillRef idx="0">
+            <a:schemeClr val="accent1"/>
+          </a:fillRef>
+          <a:effectRef idx="1">
+            <a:schemeClr val="accent1"/>
+          </a:effectRef>
+          <a:fontRef idx="minor">
+            <a:schemeClr val="tx1"/>
+          </a:fontRef>
+        </p:style>
+      </p:cxnSp>
+      <p:sp>
+        <p:nvSpPr>
+          <p:cNvPr id="20" name="Oval 19">
+            <a:extLst>
+              <a:ext uri="{FF2B5EF4-FFF2-40B4-BE49-F238E27FC236}">
+                <a16:creationId xmlns:a16="http://schemas.microsoft.com/office/drawing/2014/main" id="{7A25CC1C-BC74-7B37-1389-D31CA70880AD}"/>
+              </a:ext>
+            </a:extLst>
+          </p:cNvPr>
+          <p:cNvSpPr/>
+          <p:nvPr/>
+        </p:nvSpPr>
+        <p:spPr>
+          <a:xfrm>
+            <a:off x="10622255" y="3058690"/>
+            <a:ext cx="480862" cy="480862"/>
+          </a:xfrm>
+          <a:prstGeom prst="ellipse">
+            <a:avLst/>
+          </a:prstGeom>
+          <a:solidFill>
+            <a:schemeClr val="bg1"/>
+          </a:solidFill>
+          <a:effectLst>
+            <a:outerShdw blurRad="50800" dist="38100" dir="2700000" algn="tl" rotWithShape="0">
+              <a:prstClr val="black">
+                <a:alpha val="40000"/>
+              </a:prstClr>
+            </a:outerShdw>
+          </a:effectLst>
+        </p:spPr>
+        <p:style>
+          <a:lnRef idx="2">
+            <a:schemeClr val="accent1">
+              <a:shade val="15000"/>
+            </a:schemeClr>
+          </a:lnRef>
+          <a:fillRef idx="1">
+            <a:schemeClr val="accent1"/>
+          </a:fillRef>
+          <a:effectRef idx="0">
+            <a:schemeClr val="accent1"/>
+          </a:effectRef>
+          <a:fontRef idx="minor">
+            <a:schemeClr val="lt1"/>
+          </a:fontRef>
+        </p:style>
+        <p:txBody>
+          <a:bodyPr rtlCol="0" anchor="ctr"/>
+          <a:lstStyle/>
+          <a:p>
+            <a:pPr algn="ctr"/>
+            <a:r>
+              <a:rPr lang="en-US" dirty="0">
+                <a:solidFill>
+                  <a:schemeClr val="tx1"/>
+                </a:solidFill>
+                <a:latin typeface="Helvetica" pitchFamily="2" charset="0"/>
+              </a:rPr>
+              <a:t>3</a:t>
+            </a:r>
+          </a:p>
+        </p:txBody>
+      </p:sp>
+      <p:cxnSp>
+        <p:nvCxnSpPr>
+          <p:cNvPr id="21" name="Straight Arrow Connector 20">
+            <a:extLst>
+              <a:ext uri="{FF2B5EF4-FFF2-40B4-BE49-F238E27FC236}">
+                <a16:creationId xmlns:a16="http://schemas.microsoft.com/office/drawing/2014/main" id="{1C93EF2F-9789-E1D2-B5D8-728912148057}"/>
+              </a:ext>
+            </a:extLst>
+          </p:cNvPr>
+          <p:cNvCxnSpPr>
+            <a:cxnSpLocks/>
+            <a:stCxn id="20" idx="2"/>
+          </p:cNvCxnSpPr>
+          <p:nvPr/>
+        </p:nvCxnSpPr>
+        <p:spPr>
+          <a:xfrm flipH="1">
+            <a:off x="9819332" y="3299121"/>
+            <a:ext cx="802923" cy="0"/>
+          </a:xfrm>
+          <a:prstGeom prst="straightConnector1">
+            <a:avLst/>
+          </a:prstGeom>
+          <a:ln w="34925">
+            <a:tailEnd type="triangle" w="lg" len="lg"/>
+          </a:ln>
+        </p:spPr>
+        <p:style>
+          <a:lnRef idx="2">
+            <a:schemeClr val="accent1"/>
+          </a:lnRef>
+          <a:fillRef idx="0">
+            <a:schemeClr val="accent1"/>
+          </a:fillRef>
+          <a:effectRef idx="1">
+            <a:schemeClr val="accent1"/>
+          </a:effectRef>
+          <a:fontRef idx="minor">
+            <a:schemeClr val="tx1"/>
+          </a:fontRef>
+        </p:style>
+      </p:cxnSp>
+    </p:spTree>
+    <p:extLst>
+      <p:ext uri="{BB962C8B-B14F-4D97-AF65-F5344CB8AC3E}">
+        <p14:creationId xmlns:p14="http://schemas.microsoft.com/office/powerpoint/2010/main" val="1289926261"/>
       </p:ext>
     </p:extLst>
   </p:cSld>

--- a/docs/source/diagrams.pptx
+++ b/docs/source/diagrams.pptx
@@ -7,6 +7,7 @@
   <p:sldIdLst>
     <p:sldId id="257" r:id="rId2"/>
     <p:sldId id="258" r:id="rId3"/>
+    <p:sldId id="259" r:id="rId4"/>
   </p:sldIdLst>
   <p:sldSz cx="12192000" cy="6858000"/>
   <p:notesSz cx="6858000" cy="9144000"/>
@@ -3943,7 +3944,7 @@
         </p:blipFill>
         <p:spPr>
           <a:xfrm>
-            <a:off x="2209800" y="902677"/>
+            <a:off x="2209800" y="1028211"/>
             <a:ext cx="7772400" cy="4801578"/>
           </a:xfrm>
           <a:prstGeom prst="rect">
@@ -3965,7 +3966,7 @@
         </p:nvSpPr>
         <p:spPr>
           <a:xfrm>
-            <a:off x="763147" y="2097397"/>
+            <a:off x="1082124" y="2284626"/>
             <a:ext cx="480862" cy="480862"/>
           </a:xfrm>
           <a:prstGeom prst="ellipse">
@@ -4032,7 +4033,7 @@
         </p:nvCxnSpPr>
         <p:spPr>
           <a:xfrm flipV="1">
-            <a:off x="1244009" y="2330451"/>
+            <a:off x="1562986" y="2517680"/>
             <a:ext cx="965791" cy="7377"/>
           </a:xfrm>
           <a:prstGeom prst="straightConnector1">
@@ -4071,7 +4072,7 @@
         </p:nvSpPr>
         <p:spPr>
           <a:xfrm>
-            <a:off x="763147" y="4418567"/>
+            <a:off x="1082124" y="4329385"/>
             <a:ext cx="480862" cy="480862"/>
           </a:xfrm>
           <a:prstGeom prst="ellipse">
@@ -4138,7 +4139,7 @@
         </p:nvCxnSpPr>
         <p:spPr>
           <a:xfrm flipV="1">
-            <a:off x="1244009" y="4651621"/>
+            <a:off x="1562986" y="4562439"/>
             <a:ext cx="965791" cy="7377"/>
           </a:xfrm>
           <a:prstGeom prst="straightConnector1">
@@ -4177,7 +4178,7 @@
         </p:nvSpPr>
         <p:spPr>
           <a:xfrm>
-            <a:off x="10622255" y="3058690"/>
+            <a:off x="10467129" y="3188569"/>
             <a:ext cx="480862" cy="480862"/>
           </a:xfrm>
           <a:prstGeom prst="ellipse">
@@ -4244,7 +4245,7 @@
         </p:nvCxnSpPr>
         <p:spPr>
           <a:xfrm flipH="1">
-            <a:off x="9819332" y="3299121"/>
+            <a:off x="9664206" y="3429000"/>
             <a:ext cx="802923" cy="0"/>
           </a:xfrm>
           <a:prstGeom prst="straightConnector1">
@@ -4273,6 +4274,178 @@
     <p:extLst>
       <p:ext uri="{BB962C8B-B14F-4D97-AF65-F5344CB8AC3E}">
         <p14:creationId xmlns:p14="http://schemas.microsoft.com/office/powerpoint/2010/main" val="1289926261"/>
+      </p:ext>
+    </p:extLst>
+  </p:cSld>
+  <p:clrMapOvr>
+    <a:masterClrMapping/>
+  </p:clrMapOvr>
+</p:sld>
+</file>
+
+<file path=ppt/slides/slide3.xml><?xml version="1.0" encoding="utf-8"?>
+<p:sld xmlns:a="http://schemas.openxmlformats.org/drawingml/2006/main" xmlns:r="http://schemas.openxmlformats.org/officeDocument/2006/relationships" xmlns:p="http://schemas.openxmlformats.org/presentationml/2006/main">
+  <p:cSld>
+    <p:spTree>
+      <p:nvGrpSpPr>
+        <p:cNvPr id="1" name="">
+          <a:extLst>
+            <a:ext uri="{FF2B5EF4-FFF2-40B4-BE49-F238E27FC236}">
+              <a16:creationId xmlns:a16="http://schemas.microsoft.com/office/drawing/2014/main" id="{3F639FEB-E464-CB0E-0D16-1C64EA30B0E2}"/>
+            </a:ext>
+          </a:extLst>
+        </p:cNvPr>
+        <p:cNvGrpSpPr/>
+        <p:nvPr/>
+      </p:nvGrpSpPr>
+      <p:grpSpPr>
+        <a:xfrm>
+          <a:off x="0" y="0"/>
+          <a:ext cx="0" cy="0"/>
+          <a:chOff x="0" y="0"/>
+          <a:chExt cx="0" cy="0"/>
+        </a:xfrm>
+      </p:grpSpPr>
+      <p:pic>
+        <p:nvPicPr>
+          <p:cNvPr id="3" name="Picture 2" descr="A screenshot of a computer&#10;&#10;Description automatically generated">
+            <a:extLst>
+              <a:ext uri="{FF2B5EF4-FFF2-40B4-BE49-F238E27FC236}">
+                <a16:creationId xmlns:a16="http://schemas.microsoft.com/office/drawing/2014/main" id="{5D41C421-0A0F-CE22-33F8-7553FC733157}"/>
+              </a:ext>
+            </a:extLst>
+          </p:cNvPr>
+          <p:cNvPicPr>
+            <a:picLocks noChangeAspect="1"/>
+          </p:cNvPicPr>
+          <p:nvPr/>
+        </p:nvPicPr>
+        <p:blipFill>
+          <a:blip r:embed="rId2"/>
+          <a:stretch>
+            <a:fillRect/>
+          </a:stretch>
+        </p:blipFill>
+        <p:spPr>
+          <a:xfrm>
+            <a:off x="2209800" y="1028211"/>
+            <a:ext cx="7772400" cy="4801578"/>
+          </a:xfrm>
+          <a:prstGeom prst="rect">
+            <a:avLst/>
+          </a:prstGeom>
+        </p:spPr>
+      </p:pic>
+      <p:sp>
+        <p:nvSpPr>
+          <p:cNvPr id="20" name="Oval 19">
+            <a:extLst>
+              <a:ext uri="{FF2B5EF4-FFF2-40B4-BE49-F238E27FC236}">
+                <a16:creationId xmlns:a16="http://schemas.microsoft.com/office/drawing/2014/main" id="{E88DFBC1-3323-694D-D870-C3318583A2FE}"/>
+              </a:ext>
+            </a:extLst>
+          </p:cNvPr>
+          <p:cNvSpPr/>
+          <p:nvPr/>
+        </p:nvSpPr>
+        <p:spPr>
+          <a:xfrm>
+            <a:off x="10250116" y="3643481"/>
+            <a:ext cx="480862" cy="480862"/>
+          </a:xfrm>
+          <a:prstGeom prst="ellipse">
+            <a:avLst/>
+          </a:prstGeom>
+          <a:solidFill>
+            <a:schemeClr val="bg1"/>
+          </a:solidFill>
+          <a:effectLst>
+            <a:outerShdw blurRad="50800" dist="38100" dir="2700000" algn="tl" rotWithShape="0">
+              <a:prstClr val="black">
+                <a:alpha val="40000"/>
+              </a:prstClr>
+            </a:outerShdw>
+          </a:effectLst>
+        </p:spPr>
+        <p:style>
+          <a:lnRef idx="2">
+            <a:schemeClr val="accent1">
+              <a:shade val="15000"/>
+            </a:schemeClr>
+          </a:lnRef>
+          <a:fillRef idx="1">
+            <a:schemeClr val="accent1"/>
+          </a:fillRef>
+          <a:effectRef idx="0">
+            <a:schemeClr val="accent1"/>
+          </a:effectRef>
+          <a:fontRef idx="minor">
+            <a:schemeClr val="lt1"/>
+          </a:fontRef>
+        </p:style>
+        <p:txBody>
+          <a:bodyPr rtlCol="0" anchor="ctr"/>
+          <a:lstStyle/>
+          <a:p>
+            <a:pPr algn="ctr"/>
+            <a:r>
+              <a:rPr lang="en-US" dirty="0">
+                <a:solidFill>
+                  <a:schemeClr val="tx1"/>
+                </a:solidFill>
+                <a:latin typeface="Helvetica" pitchFamily="2" charset="0"/>
+              </a:rPr>
+              <a:t>1</a:t>
+            </a:r>
+          </a:p>
+        </p:txBody>
+      </p:sp>
+      <p:cxnSp>
+        <p:nvCxnSpPr>
+          <p:cNvPr id="21" name="Straight Arrow Connector 20">
+            <a:extLst>
+              <a:ext uri="{FF2B5EF4-FFF2-40B4-BE49-F238E27FC236}">
+                <a16:creationId xmlns:a16="http://schemas.microsoft.com/office/drawing/2014/main" id="{C536B2F9-91F1-6E0C-967D-431FE7B56A2E}"/>
+              </a:ext>
+            </a:extLst>
+          </p:cNvPr>
+          <p:cNvCxnSpPr>
+            <a:cxnSpLocks/>
+            <a:stCxn id="20" idx="2"/>
+          </p:cNvCxnSpPr>
+          <p:nvPr/>
+        </p:nvCxnSpPr>
+        <p:spPr>
+          <a:xfrm flipH="1">
+            <a:off x="9447193" y="3883912"/>
+            <a:ext cx="802923" cy="0"/>
+          </a:xfrm>
+          <a:prstGeom prst="straightConnector1">
+            <a:avLst/>
+          </a:prstGeom>
+          <a:ln w="34925">
+            <a:tailEnd type="triangle" w="lg" len="lg"/>
+          </a:ln>
+        </p:spPr>
+        <p:style>
+          <a:lnRef idx="2">
+            <a:schemeClr val="accent1"/>
+          </a:lnRef>
+          <a:fillRef idx="0">
+            <a:schemeClr val="accent1"/>
+          </a:fillRef>
+          <a:effectRef idx="1">
+            <a:schemeClr val="accent1"/>
+          </a:effectRef>
+          <a:fontRef idx="minor">
+            <a:schemeClr val="tx1"/>
+          </a:fontRef>
+        </p:style>
+      </p:cxnSp>
+    </p:spTree>
+    <p:extLst>
+      <p:ext uri="{BB962C8B-B14F-4D97-AF65-F5344CB8AC3E}">
+        <p14:creationId xmlns:p14="http://schemas.microsoft.com/office/powerpoint/2010/main" val="1350898156"/>
       </p:ext>
     </p:extLst>
   </p:cSld>

--- a/docs/source/diagrams.pptx
+++ b/docs/source/diagrams.pptx
@@ -8,6 +8,7 @@
     <p:sldId id="257" r:id="rId2"/>
     <p:sldId id="258" r:id="rId3"/>
     <p:sldId id="259" r:id="rId4"/>
+    <p:sldId id="260" r:id="rId5"/>
   </p:sldIdLst>
   <p:sldSz cx="12192000" cy="6858000"/>
   <p:notesSz cx="6858000" cy="9144000"/>
@@ -261,7 +262,7 @@
           <a:p>
             <a:fld id="{38251B50-3819-754A-9763-C19E22C77A1F}" type="datetimeFigureOut">
               <a:rPr lang="en-US" smtClean="0"/>
-              <a:t>10/1/24</a:t>
+              <a:t>10/2/24</a:t>
             </a:fld>
             <a:endParaRPr lang="en-US"/>
           </a:p>
@@ -459,7 +460,7 @@
           <a:p>
             <a:fld id="{38251B50-3819-754A-9763-C19E22C77A1F}" type="datetimeFigureOut">
               <a:rPr lang="en-US" smtClean="0"/>
-              <a:t>10/1/24</a:t>
+              <a:t>10/2/24</a:t>
             </a:fld>
             <a:endParaRPr lang="en-US"/>
           </a:p>
@@ -667,7 +668,7 @@
           <a:p>
             <a:fld id="{38251B50-3819-754A-9763-C19E22C77A1F}" type="datetimeFigureOut">
               <a:rPr lang="en-US" smtClean="0"/>
-              <a:t>10/1/24</a:t>
+              <a:t>10/2/24</a:t>
             </a:fld>
             <a:endParaRPr lang="en-US"/>
           </a:p>
@@ -865,7 +866,7 @@
           <a:p>
             <a:fld id="{38251B50-3819-754A-9763-C19E22C77A1F}" type="datetimeFigureOut">
               <a:rPr lang="en-US" smtClean="0"/>
-              <a:t>10/1/24</a:t>
+              <a:t>10/2/24</a:t>
             </a:fld>
             <a:endParaRPr lang="en-US"/>
           </a:p>
@@ -1140,7 +1141,7 @@
           <a:p>
             <a:fld id="{38251B50-3819-754A-9763-C19E22C77A1F}" type="datetimeFigureOut">
               <a:rPr lang="en-US" smtClean="0"/>
-              <a:t>10/1/24</a:t>
+              <a:t>10/2/24</a:t>
             </a:fld>
             <a:endParaRPr lang="en-US"/>
           </a:p>
@@ -1405,7 +1406,7 @@
           <a:p>
             <a:fld id="{38251B50-3819-754A-9763-C19E22C77A1F}" type="datetimeFigureOut">
               <a:rPr lang="en-US" smtClean="0"/>
-              <a:t>10/1/24</a:t>
+              <a:t>10/2/24</a:t>
             </a:fld>
             <a:endParaRPr lang="en-US"/>
           </a:p>
@@ -1817,7 +1818,7 @@
           <a:p>
             <a:fld id="{38251B50-3819-754A-9763-C19E22C77A1F}" type="datetimeFigureOut">
               <a:rPr lang="en-US" smtClean="0"/>
-              <a:t>10/1/24</a:t>
+              <a:t>10/2/24</a:t>
             </a:fld>
             <a:endParaRPr lang="en-US"/>
           </a:p>
@@ -1958,7 +1959,7 @@
           <a:p>
             <a:fld id="{38251B50-3819-754A-9763-C19E22C77A1F}" type="datetimeFigureOut">
               <a:rPr lang="en-US" smtClean="0"/>
-              <a:t>10/1/24</a:t>
+              <a:t>10/2/24</a:t>
             </a:fld>
             <a:endParaRPr lang="en-US"/>
           </a:p>
@@ -2071,7 +2072,7 @@
           <a:p>
             <a:fld id="{38251B50-3819-754A-9763-C19E22C77A1F}" type="datetimeFigureOut">
               <a:rPr lang="en-US" smtClean="0"/>
-              <a:t>10/1/24</a:t>
+              <a:t>10/2/24</a:t>
             </a:fld>
             <a:endParaRPr lang="en-US"/>
           </a:p>
@@ -2382,7 +2383,7 @@
           <a:p>
             <a:fld id="{38251B50-3819-754A-9763-C19E22C77A1F}" type="datetimeFigureOut">
               <a:rPr lang="en-US" smtClean="0"/>
-              <a:t>10/1/24</a:t>
+              <a:t>10/2/24</a:t>
             </a:fld>
             <a:endParaRPr lang="en-US"/>
           </a:p>
@@ -2670,7 +2671,7 @@
           <a:p>
             <a:fld id="{38251B50-3819-754A-9763-C19E22C77A1F}" type="datetimeFigureOut">
               <a:rPr lang="en-US" smtClean="0"/>
-              <a:t>10/1/24</a:t>
+              <a:t>10/2/24</a:t>
             </a:fld>
             <a:endParaRPr lang="en-US"/>
           </a:p>
@@ -2911,7 +2912,7 @@
           <a:p>
             <a:fld id="{38251B50-3819-754A-9763-C19E22C77A1F}" type="datetimeFigureOut">
               <a:rPr lang="en-US" smtClean="0"/>
-              <a:t>10/1/24</a:t>
+              <a:t>10/2/24</a:t>
             </a:fld>
             <a:endParaRPr lang="en-US"/>
           </a:p>
@@ -4455,6 +4456,383 @@
 </p:sld>
 </file>
 
+<file path=ppt/slides/slide4.xml><?xml version="1.0" encoding="utf-8"?>
+<p:sld xmlns:a="http://schemas.openxmlformats.org/drawingml/2006/main" xmlns:r="http://schemas.openxmlformats.org/officeDocument/2006/relationships" xmlns:p="http://schemas.openxmlformats.org/presentationml/2006/main">
+  <p:cSld>
+    <p:spTree>
+      <p:nvGrpSpPr>
+        <p:cNvPr id="1" name=""/>
+        <p:cNvGrpSpPr/>
+        <p:nvPr/>
+      </p:nvGrpSpPr>
+      <p:grpSpPr>
+        <a:xfrm>
+          <a:off x="0" y="0"/>
+          <a:ext cx="0" cy="0"/>
+          <a:chOff x="0" y="0"/>
+          <a:chExt cx="0" cy="0"/>
+        </a:xfrm>
+      </p:grpSpPr>
+      <p:pic>
+        <p:nvPicPr>
+          <p:cNvPr id="5" name="Picture 4" descr="A screenshot of a computer&#10;&#10;Description automatically generated">
+            <a:extLst>
+              <a:ext uri="{FF2B5EF4-FFF2-40B4-BE49-F238E27FC236}">
+                <a16:creationId xmlns:a16="http://schemas.microsoft.com/office/drawing/2014/main" id="{EEAAF31F-42BF-3023-1A6E-31E2431AFCB1}"/>
+              </a:ext>
+            </a:extLst>
+          </p:cNvPr>
+          <p:cNvPicPr>
+            <a:picLocks noChangeAspect="1"/>
+          </p:cNvPicPr>
+          <p:nvPr/>
+        </p:nvPicPr>
+        <p:blipFill>
+          <a:blip r:embed="rId2"/>
+          <a:stretch>
+            <a:fillRect/>
+          </a:stretch>
+        </p:blipFill>
+        <p:spPr>
+          <a:xfrm>
+            <a:off x="2209800" y="1343883"/>
+            <a:ext cx="7772400" cy="4170233"/>
+          </a:xfrm>
+          <a:prstGeom prst="rect">
+            <a:avLst/>
+          </a:prstGeom>
+        </p:spPr>
+      </p:pic>
+      <p:sp>
+        <p:nvSpPr>
+          <p:cNvPr id="6" name="Oval 5">
+            <a:extLst>
+              <a:ext uri="{FF2B5EF4-FFF2-40B4-BE49-F238E27FC236}">
+                <a16:creationId xmlns:a16="http://schemas.microsoft.com/office/drawing/2014/main" id="{7EC4BDCF-F3A4-3774-018F-FD787DA14ACF}"/>
+              </a:ext>
+            </a:extLst>
+          </p:cNvPr>
+          <p:cNvSpPr/>
+          <p:nvPr/>
+        </p:nvSpPr>
+        <p:spPr>
+          <a:xfrm>
+            <a:off x="10766147" y="3236531"/>
+            <a:ext cx="480862" cy="480862"/>
+          </a:xfrm>
+          <a:prstGeom prst="ellipse">
+            <a:avLst/>
+          </a:prstGeom>
+          <a:solidFill>
+            <a:schemeClr val="bg1"/>
+          </a:solidFill>
+          <a:effectLst>
+            <a:outerShdw blurRad="50800" dist="38100" dir="2700000" algn="tl" rotWithShape="0">
+              <a:prstClr val="black">
+                <a:alpha val="40000"/>
+              </a:prstClr>
+            </a:outerShdw>
+          </a:effectLst>
+        </p:spPr>
+        <p:style>
+          <a:lnRef idx="2">
+            <a:schemeClr val="accent1">
+              <a:shade val="15000"/>
+            </a:schemeClr>
+          </a:lnRef>
+          <a:fillRef idx="1">
+            <a:schemeClr val="accent1"/>
+          </a:fillRef>
+          <a:effectRef idx="0">
+            <a:schemeClr val="accent1"/>
+          </a:effectRef>
+          <a:fontRef idx="minor">
+            <a:schemeClr val="lt1"/>
+          </a:fontRef>
+        </p:style>
+        <p:txBody>
+          <a:bodyPr rtlCol="0" anchor="ctr"/>
+          <a:lstStyle/>
+          <a:p>
+            <a:pPr algn="ctr"/>
+            <a:r>
+              <a:rPr lang="en-US" dirty="0">
+                <a:solidFill>
+                  <a:schemeClr val="tx1"/>
+                </a:solidFill>
+                <a:latin typeface="Helvetica" pitchFamily="2" charset="0"/>
+              </a:rPr>
+              <a:t>2</a:t>
+            </a:r>
+          </a:p>
+        </p:txBody>
+      </p:sp>
+      <p:cxnSp>
+        <p:nvCxnSpPr>
+          <p:cNvPr id="7" name="Straight Arrow Connector 6">
+            <a:extLst>
+              <a:ext uri="{FF2B5EF4-FFF2-40B4-BE49-F238E27FC236}">
+                <a16:creationId xmlns:a16="http://schemas.microsoft.com/office/drawing/2014/main" id="{BEA2060C-9566-662E-EA21-497E4AB49861}"/>
+              </a:ext>
+            </a:extLst>
+          </p:cNvPr>
+          <p:cNvCxnSpPr>
+            <a:cxnSpLocks/>
+            <a:stCxn id="6" idx="2"/>
+          </p:cNvCxnSpPr>
+          <p:nvPr/>
+        </p:nvCxnSpPr>
+        <p:spPr>
+          <a:xfrm flipH="1">
+            <a:off x="9963224" y="3476962"/>
+            <a:ext cx="802923" cy="0"/>
+          </a:xfrm>
+          <a:prstGeom prst="straightConnector1">
+            <a:avLst/>
+          </a:prstGeom>
+          <a:ln w="34925">
+            <a:tailEnd type="triangle" w="lg" len="lg"/>
+          </a:ln>
+        </p:spPr>
+        <p:style>
+          <a:lnRef idx="2">
+            <a:schemeClr val="accent1"/>
+          </a:lnRef>
+          <a:fillRef idx="0">
+            <a:schemeClr val="accent1"/>
+          </a:fillRef>
+          <a:effectRef idx="1">
+            <a:schemeClr val="accent1"/>
+          </a:effectRef>
+          <a:fontRef idx="minor">
+            <a:schemeClr val="tx1"/>
+          </a:fontRef>
+        </p:style>
+      </p:cxnSp>
+      <p:sp>
+        <p:nvSpPr>
+          <p:cNvPr id="8" name="Oval 7">
+            <a:extLst>
+              <a:ext uri="{FF2B5EF4-FFF2-40B4-BE49-F238E27FC236}">
+                <a16:creationId xmlns:a16="http://schemas.microsoft.com/office/drawing/2014/main" id="{7E56CD4C-4572-E121-3613-6E565C613E8D}"/>
+              </a:ext>
+            </a:extLst>
+          </p:cNvPr>
+          <p:cNvSpPr/>
+          <p:nvPr/>
+        </p:nvSpPr>
+        <p:spPr>
+          <a:xfrm>
+            <a:off x="862929" y="3236531"/>
+            <a:ext cx="480862" cy="480862"/>
+          </a:xfrm>
+          <a:prstGeom prst="ellipse">
+            <a:avLst/>
+          </a:prstGeom>
+          <a:solidFill>
+            <a:schemeClr val="bg1"/>
+          </a:solidFill>
+          <a:effectLst>
+            <a:outerShdw blurRad="50800" dist="38100" dir="2700000" algn="tl" rotWithShape="0">
+              <a:prstClr val="black">
+                <a:alpha val="40000"/>
+              </a:prstClr>
+            </a:outerShdw>
+          </a:effectLst>
+        </p:spPr>
+        <p:style>
+          <a:lnRef idx="2">
+            <a:schemeClr val="accent1">
+              <a:shade val="15000"/>
+            </a:schemeClr>
+          </a:lnRef>
+          <a:fillRef idx="1">
+            <a:schemeClr val="accent1"/>
+          </a:fillRef>
+          <a:effectRef idx="0">
+            <a:schemeClr val="accent1"/>
+          </a:effectRef>
+          <a:fontRef idx="minor">
+            <a:schemeClr val="lt1"/>
+          </a:fontRef>
+        </p:style>
+        <p:txBody>
+          <a:bodyPr rtlCol="0" anchor="ctr"/>
+          <a:lstStyle/>
+          <a:p>
+            <a:pPr algn="ctr"/>
+            <a:r>
+              <a:rPr lang="en-US" dirty="0">
+                <a:solidFill>
+                  <a:schemeClr val="tx1"/>
+                </a:solidFill>
+                <a:latin typeface="Helvetica" pitchFamily="2" charset="0"/>
+              </a:rPr>
+              <a:t>1</a:t>
+            </a:r>
+          </a:p>
+        </p:txBody>
+      </p:sp>
+      <p:cxnSp>
+        <p:nvCxnSpPr>
+          <p:cNvPr id="9" name="Straight Arrow Connector 8">
+            <a:extLst>
+              <a:ext uri="{FF2B5EF4-FFF2-40B4-BE49-F238E27FC236}">
+                <a16:creationId xmlns:a16="http://schemas.microsoft.com/office/drawing/2014/main" id="{CB0FC669-EE7A-911C-FDB1-E681100BEF89}"/>
+              </a:ext>
+            </a:extLst>
+          </p:cNvPr>
+          <p:cNvCxnSpPr>
+            <a:cxnSpLocks/>
+            <a:endCxn id="8" idx="6"/>
+          </p:cNvCxnSpPr>
+          <p:nvPr/>
+        </p:nvCxnSpPr>
+        <p:spPr>
+          <a:xfrm flipH="1">
+            <a:off x="1343791" y="3476962"/>
+            <a:ext cx="855251" cy="0"/>
+          </a:xfrm>
+          <a:prstGeom prst="straightConnector1">
+            <a:avLst/>
+          </a:prstGeom>
+          <a:ln w="34925">
+            <a:headEnd type="triangle" w="lg" len="lg"/>
+            <a:tailEnd type="none" w="lg" len="lg"/>
+          </a:ln>
+        </p:spPr>
+        <p:style>
+          <a:lnRef idx="2">
+            <a:schemeClr val="accent1"/>
+          </a:lnRef>
+          <a:fillRef idx="0">
+            <a:schemeClr val="accent1"/>
+          </a:fillRef>
+          <a:effectRef idx="1">
+            <a:schemeClr val="accent1"/>
+          </a:effectRef>
+          <a:fontRef idx="minor">
+            <a:schemeClr val="tx1"/>
+          </a:fontRef>
+        </p:style>
+      </p:cxnSp>
+      <p:sp>
+        <p:nvSpPr>
+          <p:cNvPr id="12" name="Rounded Rectangle 11">
+            <a:extLst>
+              <a:ext uri="{FF2B5EF4-FFF2-40B4-BE49-F238E27FC236}">
+                <a16:creationId xmlns:a16="http://schemas.microsoft.com/office/drawing/2014/main" id="{1F5C7F0E-CA8E-F964-3D54-F2A42569044B}"/>
+              </a:ext>
+            </a:extLst>
+          </p:cNvPr>
+          <p:cNvSpPr/>
+          <p:nvPr/>
+        </p:nvSpPr>
+        <p:spPr>
+          <a:xfrm>
+            <a:off x="7561385" y="1254375"/>
+            <a:ext cx="2420815" cy="4259742"/>
+          </a:xfrm>
+          <a:prstGeom prst="roundRect">
+            <a:avLst>
+              <a:gd name="adj" fmla="val 6982"/>
+            </a:avLst>
+          </a:prstGeom>
+          <a:noFill/>
+          <a:ln w="12700">
+            <a:prstDash val="lgDash"/>
+          </a:ln>
+        </p:spPr>
+        <p:style>
+          <a:lnRef idx="2">
+            <a:schemeClr val="accent1">
+              <a:shade val="15000"/>
+            </a:schemeClr>
+          </a:lnRef>
+          <a:fillRef idx="1">
+            <a:schemeClr val="accent1"/>
+          </a:fillRef>
+          <a:effectRef idx="0">
+            <a:schemeClr val="accent1"/>
+          </a:effectRef>
+          <a:fontRef idx="minor">
+            <a:schemeClr val="lt1"/>
+          </a:fontRef>
+        </p:style>
+        <p:txBody>
+          <a:bodyPr rtlCol="0" anchor="ctr"/>
+          <a:lstStyle/>
+          <a:p>
+            <a:pPr algn="ctr"/>
+            <a:endParaRPr lang="en-US"/>
+          </a:p>
+        </p:txBody>
+      </p:sp>
+      <p:sp>
+        <p:nvSpPr>
+          <p:cNvPr id="13" name="Rounded Rectangle 12">
+            <a:extLst>
+              <a:ext uri="{FF2B5EF4-FFF2-40B4-BE49-F238E27FC236}">
+                <a16:creationId xmlns:a16="http://schemas.microsoft.com/office/drawing/2014/main" id="{BBFA99AC-6462-FBA8-BBF0-F70FC319AC63}"/>
+              </a:ext>
+            </a:extLst>
+          </p:cNvPr>
+          <p:cNvSpPr/>
+          <p:nvPr/>
+        </p:nvSpPr>
+        <p:spPr>
+          <a:xfrm>
+            <a:off x="2209800" y="1254374"/>
+            <a:ext cx="5324513" cy="4259742"/>
+          </a:xfrm>
+          <a:prstGeom prst="roundRect">
+            <a:avLst>
+              <a:gd name="adj" fmla="val 6982"/>
+            </a:avLst>
+          </a:prstGeom>
+          <a:noFill/>
+          <a:ln w="12700">
+            <a:prstDash val="lgDash"/>
+          </a:ln>
+        </p:spPr>
+        <p:style>
+          <a:lnRef idx="2">
+            <a:schemeClr val="accent1">
+              <a:shade val="15000"/>
+            </a:schemeClr>
+          </a:lnRef>
+          <a:fillRef idx="1">
+            <a:schemeClr val="accent1"/>
+          </a:fillRef>
+          <a:effectRef idx="0">
+            <a:schemeClr val="accent1"/>
+          </a:effectRef>
+          <a:fontRef idx="minor">
+            <a:schemeClr val="lt1"/>
+          </a:fontRef>
+        </p:style>
+        <p:txBody>
+          <a:bodyPr rtlCol="0" anchor="ctr"/>
+          <a:lstStyle/>
+          <a:p>
+            <a:pPr algn="ctr"/>
+            <a:endParaRPr lang="en-US"/>
+          </a:p>
+        </p:txBody>
+      </p:sp>
+    </p:spTree>
+    <p:extLst>
+      <p:ext uri="{BB962C8B-B14F-4D97-AF65-F5344CB8AC3E}">
+        <p14:creationId xmlns:p14="http://schemas.microsoft.com/office/powerpoint/2010/main" val="3829568237"/>
+      </p:ext>
+    </p:extLst>
+  </p:cSld>
+  <p:clrMapOvr>
+    <a:masterClrMapping/>
+  </p:clrMapOvr>
+</p:sld>
+</file>
+
 <file path=ppt/theme/theme1.xml><?xml version="1.0" encoding="utf-8"?>
 <a:theme xmlns:a="http://schemas.openxmlformats.org/drawingml/2006/main" name="Office Theme">
   <a:themeElements>
